--- a/文檔/Air@IoT.pptx
+++ b/文檔/Air@IoT.pptx
@@ -283,7 +283,18 @@
   </p:defaultTextStyle>
   <p:extLst>
     <p:ext uri="{EFAFB233-063F-42B5-8137-9DF3F51BA10A}">
-      <p15:sldGuideLst xmlns:p15="http://schemas.microsoft.com/office/powerpoint/2012/main"/>
+      <p15:sldGuideLst xmlns:p15="http://schemas.microsoft.com/office/powerpoint/2012/main">
+        <p15:guide id="1" orient="horz" pos="1620" userDrawn="1">
+          <p15:clr>
+            <a:srgbClr val="A4A3A4"/>
+          </p15:clr>
+        </p15:guide>
+        <p15:guide id="2" pos="2880" userDrawn="1">
+          <p15:clr>
+            <a:srgbClr val="A4A3A4"/>
+          </p15:clr>
+        </p15:guide>
+      </p15:sldGuideLst>
     </p:ext>
   </p:extLst>
 </p:presentation>
@@ -10472,123 +10483,6 @@
           </a:prstGeom>
         </p:spPr>
       </p:pic>
-      <p:sp>
-        <p:nvSpPr>
-          <p:cNvPr id="15" name="文本框 11">
-            <a:extLst>
-              <a:ext uri="{FF2B5EF4-FFF2-40B4-BE49-F238E27FC236}">
-                <a16:creationId xmlns:a16="http://schemas.microsoft.com/office/drawing/2014/main" id="{A2AEF345-A62B-4F1C-A564-28CBAEC790CE}"/>
-              </a:ext>
-            </a:extLst>
-          </p:cNvPr>
-          <p:cNvSpPr txBox="1"/>
-          <p:nvPr/>
-        </p:nvSpPr>
-        <p:spPr>
-          <a:xfrm>
-            <a:off x="2450780" y="3561172"/>
-            <a:ext cx="4289866" cy="307777"/>
-          </a:xfrm>
-          <a:prstGeom prst="rect">
-            <a:avLst/>
-          </a:prstGeom>
-          <a:noFill/>
-        </p:spPr>
-        <p:txBody>
-          <a:bodyPr wrap="square" rtlCol="0">
-            <a:spAutoFit/>
-            <a:scene3d>
-              <a:camera prst="orthographicFront"/>
-              <a:lightRig rig="threePt" dir="t"/>
-            </a:scene3d>
-            <a:sp3d contourW="12700"/>
-          </a:bodyPr>
-          <a:lstStyle/>
-          <a:p>
-            <a:pPr defTabSz="685800">
-              <a:buClrTx/>
-            </a:pPr>
-            <a:r>
-              <a:rPr lang="zh-TW" altLang="en-US" b="1" kern="1200" dirty="0">
-                <a:solidFill>
-                  <a:prstClr val="black"/>
-                </a:solidFill>
-                <a:latin typeface="微軟正黑體" panose="020B0604030504040204" pitchFamily="34" charset="-120"/>
-                <a:ea typeface="微軟正黑體" panose="020B0604030504040204" pitchFamily="34" charset="-120"/>
-                <a:cs typeface="+mn-cs"/>
-              </a:rPr>
-              <a:t>郭奕璋、王浤宇、劉佩萱、陳曉東、李姿慧、陳鐿壬</a:t>
-            </a:r>
-            <a:endParaRPr lang="zh-TW" altLang="en-US" kern="1200" dirty="0">
-              <a:solidFill>
-                <a:prstClr val="black"/>
-              </a:solidFill>
-              <a:latin typeface="微軟正黑體" panose="020B0604030504040204" pitchFamily="34" charset="-120"/>
-              <a:ea typeface="微軟正黑體" panose="020B0604030504040204" pitchFamily="34" charset="-120"/>
-              <a:cs typeface="+mn-cs"/>
-            </a:endParaRPr>
-          </a:p>
-        </p:txBody>
-      </p:sp>
-      <p:sp>
-        <p:nvSpPr>
-          <p:cNvPr id="16" name="文本框 13">
-            <a:extLst>
-              <a:ext uri="{FF2B5EF4-FFF2-40B4-BE49-F238E27FC236}">
-                <a16:creationId xmlns:a16="http://schemas.microsoft.com/office/drawing/2014/main" id="{6DF4F2FB-978E-47A9-9136-D59CF0739F61}"/>
-              </a:ext>
-            </a:extLst>
-          </p:cNvPr>
-          <p:cNvSpPr txBox="1"/>
-          <p:nvPr/>
-        </p:nvSpPr>
-        <p:spPr>
-          <a:xfrm>
-            <a:off x="0" y="4045746"/>
-            <a:ext cx="1203809" cy="400110"/>
-          </a:xfrm>
-          <a:prstGeom prst="rect">
-            <a:avLst/>
-          </a:prstGeom>
-          <a:noFill/>
-        </p:spPr>
-        <p:txBody>
-          <a:bodyPr wrap="square" rtlCol="0">
-            <a:spAutoFit/>
-            <a:scene3d>
-              <a:camera prst="orthographicFront"/>
-              <a:lightRig rig="threePt" dir="t"/>
-            </a:scene3d>
-            <a:sp3d contourW="12700"/>
-          </a:bodyPr>
-          <a:lstStyle/>
-          <a:p>
-            <a:pPr algn="ctr" defTabSz="685800">
-              <a:buClrTx/>
-              <a:defRPr/>
-            </a:pPr>
-            <a:r>
-              <a:rPr lang="en-US" altLang="zh-CN" sz="2000" b="1" kern="1200" dirty="0">
-                <a:solidFill>
-                  <a:prstClr val="black"/>
-                </a:solidFill>
-                <a:latin typeface="微軟正黑體" panose="020B0604030504040204" pitchFamily="34" charset="-120"/>
-                <a:ea typeface="微軟正黑體" panose="020B0604030504040204" pitchFamily="34" charset="-120"/>
-                <a:cs typeface="+mn-cs"/>
-              </a:rPr>
-              <a:t>TEAM 3</a:t>
-            </a:r>
-            <a:endParaRPr lang="zh-CN" altLang="en-US" sz="1600" b="1" kern="1200" dirty="0">
-              <a:solidFill>
-                <a:prstClr val="black"/>
-              </a:solidFill>
-              <a:latin typeface="微軟正黑體" panose="020B0604030504040204" pitchFamily="34" charset="-120"/>
-              <a:ea typeface="微軟正黑體" panose="020B0604030504040204" pitchFamily="34" charset="-120"/>
-              <a:cs typeface="+mn-cs"/>
-            </a:endParaRPr>
-          </a:p>
-        </p:txBody>
-      </p:sp>
       <p:pic>
         <p:nvPicPr>
           <p:cNvPr id="3" name="圖片 2">
@@ -10660,8 +10554,8 @@
         </p:nvSpPr>
         <p:spPr>
           <a:xfrm>
-            <a:off x="2363081" y="2872954"/>
-            <a:ext cx="3318537" cy="338554"/>
+            <a:off x="6816336" y="131486"/>
+            <a:ext cx="2388794" cy="699102"/>
           </a:xfrm>
           <a:prstGeom prst="rect">
             <a:avLst/>
@@ -10680,13 +10574,16 @@
           <a:lstStyle/>
           <a:p>
             <a:pPr algn="ctr" defTabSz="685800">
+              <a:lnSpc>
+                <a:spcPct val="150000"/>
+              </a:lnSpc>
               <a:buClrTx/>
               <a:defRPr/>
             </a:pPr>
             <a:r>
-              <a:rPr lang="en-US" altLang="zh-TW" sz="1600" b="1" kern="1200" dirty="0">
-                <a:solidFill>
-                  <a:prstClr val="black"/>
+              <a:rPr lang="en-US" altLang="zh-TW" b="1" kern="1200" dirty="0">
+                <a:solidFill>
+                  <a:schemeClr val="bg1"/>
                 </a:solidFill>
                 <a:latin typeface="微軟正黑體" panose="020B0604030504040204" pitchFamily="34" charset="-120"/>
                 <a:ea typeface="微軟正黑體" panose="020B0604030504040204" pitchFamily="34" charset="-120"/>
@@ -10695,136 +10592,40 @@
               <a:t>AI</a:t>
             </a:r>
             <a:r>
-              <a:rPr lang="zh-TW" altLang="en-US" sz="1600" b="1" kern="1200" dirty="0">
-                <a:solidFill>
-                  <a:prstClr val="black"/>
+              <a:rPr lang="zh-TW" altLang="en-US" b="1" kern="1200" dirty="0">
+                <a:solidFill>
+                  <a:schemeClr val="bg1"/>
                 </a:solidFill>
                 <a:latin typeface="微軟正黑體" panose="020B0604030504040204" pitchFamily="34" charset="-120"/>
                 <a:ea typeface="微軟正黑體" panose="020B0604030504040204" pitchFamily="34" charset="-120"/>
                 <a:cs typeface="+mn-cs"/>
               </a:rPr>
-              <a:t>智慧應用開發實戰養成班 第一期</a:t>
+              <a:t>智慧應用開發實戰養成班 </a:t>
             </a:r>
-            <a:endParaRPr lang="zh-CN" altLang="en-US" sz="1600" b="1" kern="1200" dirty="0">
-              <a:solidFill>
-                <a:prstClr val="black"/>
-              </a:solidFill>
-              <a:latin typeface="微軟正黑體" panose="020B0604030504040204" pitchFamily="34" charset="-120"/>
-              <a:ea typeface="微軟正黑體" panose="020B0604030504040204" pitchFamily="34" charset="-120"/>
-              <a:cs typeface="+mn-cs"/>
-            </a:endParaRPr>
-          </a:p>
-        </p:txBody>
-      </p:sp>
-      <p:sp>
-        <p:nvSpPr>
-          <p:cNvPr id="19" name="文本框 13">
-            <a:extLst>
-              <a:ext uri="{FF2B5EF4-FFF2-40B4-BE49-F238E27FC236}">
-                <a16:creationId xmlns:a16="http://schemas.microsoft.com/office/drawing/2014/main" id="{EA2D8D1B-2A81-B942-A9DD-59A63274D22A}"/>
-              </a:ext>
-            </a:extLst>
-          </p:cNvPr>
-          <p:cNvSpPr txBox="1"/>
-          <p:nvPr/>
-        </p:nvSpPr>
-        <p:spPr>
-          <a:xfrm>
-            <a:off x="2423662" y="4168404"/>
-            <a:ext cx="1005403" cy="338554"/>
-          </a:xfrm>
-          <a:prstGeom prst="rect">
-            <a:avLst/>
-          </a:prstGeom>
-          <a:noFill/>
-        </p:spPr>
-        <p:txBody>
-          <a:bodyPr wrap="none" rtlCol="0">
-            <a:spAutoFit/>
-            <a:scene3d>
-              <a:camera prst="orthographicFront"/>
-              <a:lightRig rig="threePt" dir="t"/>
-            </a:scene3d>
-            <a:sp3d contourW="12700"/>
-          </a:bodyPr>
-          <a:lstStyle/>
-          <a:p>
-            <a:pPr algn="ctr" defTabSz="685800">
-              <a:buClrTx/>
-              <a:defRPr/>
-            </a:pPr>
-            <a:r>
-              <a:rPr lang="zh-TW" altLang="en-US" sz="1600" b="1" kern="1200" dirty="0">
-                <a:solidFill>
-                  <a:prstClr val="black"/>
+            <a:br>
+              <a:rPr lang="en-US" altLang="zh-TW" b="1" kern="1200" dirty="0">
+                <a:solidFill>
+                  <a:schemeClr val="bg1"/>
                 </a:solidFill>
                 <a:latin typeface="微軟正黑體" panose="020B0604030504040204" pitchFamily="34" charset="-120"/>
                 <a:ea typeface="微軟正黑體" panose="020B0604030504040204" pitchFamily="34" charset="-120"/>
                 <a:cs typeface="+mn-cs"/>
               </a:rPr>
-              <a:t>指導老師</a:t>
-            </a:r>
-            <a:endParaRPr lang="zh-CN" altLang="en-US" sz="1600" b="1" kern="1200" dirty="0">
-              <a:solidFill>
-                <a:prstClr val="black"/>
-              </a:solidFill>
-              <a:latin typeface="微軟正黑體" panose="020B0604030504040204" pitchFamily="34" charset="-120"/>
-              <a:ea typeface="微軟正黑體" panose="020B0604030504040204" pitchFamily="34" charset="-120"/>
-              <a:cs typeface="+mn-cs"/>
-            </a:endParaRPr>
-          </a:p>
-        </p:txBody>
-      </p:sp>
-      <p:sp>
-        <p:nvSpPr>
-          <p:cNvPr id="20" name="文本框 11">
-            <a:extLst>
-              <a:ext uri="{FF2B5EF4-FFF2-40B4-BE49-F238E27FC236}">
-                <a16:creationId xmlns:a16="http://schemas.microsoft.com/office/drawing/2014/main" id="{F7908237-5EB4-5745-89F3-C42E66D319BB}"/>
-              </a:ext>
-            </a:extLst>
-          </p:cNvPr>
-          <p:cNvSpPr txBox="1"/>
-          <p:nvPr/>
-        </p:nvSpPr>
-        <p:spPr>
-          <a:xfrm>
-            <a:off x="3442418" y="4169728"/>
-            <a:ext cx="4289866" cy="307777"/>
-          </a:xfrm>
-          <a:prstGeom prst="rect">
-            <a:avLst/>
-          </a:prstGeom>
-          <a:noFill/>
-        </p:spPr>
-        <p:txBody>
-          <a:bodyPr wrap="square" rtlCol="0">
-            <a:spAutoFit/>
-            <a:scene3d>
-              <a:camera prst="orthographicFront"/>
-              <a:lightRig rig="threePt" dir="t"/>
-            </a:scene3d>
-            <a:sp3d contourW="12700"/>
-          </a:bodyPr>
-          <a:lstStyle/>
-          <a:p>
-            <a:pPr defTabSz="685800">
-              <a:buClrTx/>
-            </a:pPr>
+            </a:br>
             <a:r>
               <a:rPr lang="zh-TW" altLang="en-US" b="1" kern="1200" dirty="0">
                 <a:solidFill>
-                  <a:prstClr val="black"/>
+                  <a:schemeClr val="bg1"/>
                 </a:solidFill>
                 <a:latin typeface="微軟正黑體" panose="020B0604030504040204" pitchFamily="34" charset="-120"/>
                 <a:ea typeface="微軟正黑體" panose="020B0604030504040204" pitchFamily="34" charset="-120"/>
                 <a:cs typeface="+mn-cs"/>
               </a:rPr>
-              <a:t>周志昂、郭惠民</a:t>
+              <a:t>第一期</a:t>
             </a:r>
-            <a:endParaRPr lang="zh-TW" altLang="en-US" kern="1200" dirty="0">
+            <a:endParaRPr lang="zh-CN" altLang="en-US" b="1" kern="1200" dirty="0">
               <a:solidFill>
-                <a:prstClr val="black"/>
+                <a:schemeClr val="bg1"/>
               </a:solidFill>
               <a:latin typeface="微軟正黑體" panose="020B0604030504040204" pitchFamily="34" charset="-120"/>
               <a:ea typeface="微軟正黑體" panose="020B0604030504040204" pitchFamily="34" charset="-120"/>
@@ -10835,10 +10636,10 @@
       </p:sp>
       <p:pic>
         <p:nvPicPr>
-          <p:cNvPr id="25" name="圖片 24">
+          <p:cNvPr id="30" name="圖片 29">
             <a:extLst>
               <a:ext uri="{FF2B5EF4-FFF2-40B4-BE49-F238E27FC236}">
-                <a16:creationId xmlns:a16="http://schemas.microsoft.com/office/drawing/2014/main" id="{67270DFF-CBE0-6944-B1BD-4D80D298A7D3}"/>
+                <a16:creationId xmlns:a16="http://schemas.microsoft.com/office/drawing/2014/main" id="{02887313-3F66-9341-B39B-09D9DA1AD775}"/>
               </a:ext>
             </a:extLst>
           </p:cNvPr>
@@ -10855,67 +10656,7 @@
         </p:blipFill>
         <p:spPr>
           <a:xfrm>
-            <a:off x="1939850" y="4114937"/>
-            <a:ext cx="460829" cy="444826"/>
-          </a:xfrm>
-          <a:prstGeom prst="rect">
-            <a:avLst/>
-          </a:prstGeom>
-        </p:spPr>
-      </p:pic>
-      <p:pic>
-        <p:nvPicPr>
-          <p:cNvPr id="27" name="圖片 26">
-            <a:extLst>
-              <a:ext uri="{FF2B5EF4-FFF2-40B4-BE49-F238E27FC236}">
-                <a16:creationId xmlns:a16="http://schemas.microsoft.com/office/drawing/2014/main" id="{52F4940B-BB95-1344-B0B8-1A5D92AA0AC4}"/>
-              </a:ext>
-            </a:extLst>
-          </p:cNvPr>
-          <p:cNvPicPr>
-            <a:picLocks noChangeAspect="1"/>
-          </p:cNvPicPr>
-          <p:nvPr/>
-        </p:nvPicPr>
-        <p:blipFill>
-          <a:blip r:embed="rId7"/>
-          <a:stretch>
-            <a:fillRect/>
-          </a:stretch>
-        </p:blipFill>
-        <p:spPr>
-          <a:xfrm>
-            <a:off x="1939850" y="3537154"/>
-            <a:ext cx="437430" cy="437430"/>
-          </a:xfrm>
-          <a:prstGeom prst="rect">
-            <a:avLst/>
-          </a:prstGeom>
-        </p:spPr>
-      </p:pic>
-      <p:pic>
-        <p:nvPicPr>
-          <p:cNvPr id="30" name="圖片 29">
-            <a:extLst>
-              <a:ext uri="{FF2B5EF4-FFF2-40B4-BE49-F238E27FC236}">
-                <a16:creationId xmlns:a16="http://schemas.microsoft.com/office/drawing/2014/main" id="{02887313-3F66-9341-B39B-09D9DA1AD775}"/>
-              </a:ext>
-            </a:extLst>
-          </p:cNvPr>
-          <p:cNvPicPr>
-            <a:picLocks noChangeAspect="1"/>
-          </p:cNvPicPr>
-          <p:nvPr/>
-        </p:nvPicPr>
-        <p:blipFill>
-          <a:blip r:embed="rId8"/>
-          <a:stretch>
-            <a:fillRect/>
-          </a:stretch>
-        </p:blipFill>
-        <p:spPr>
-          <a:xfrm>
-            <a:off x="7551050" y="3755869"/>
+            <a:off x="7549665" y="3715060"/>
             <a:ext cx="1484586" cy="1484586"/>
           </a:xfrm>
           <a:prstGeom prst="rect">
@@ -10923,6 +10664,524 @@
           </a:prstGeom>
         </p:spPr>
       </p:pic>
+      <p:grpSp>
+        <p:nvGrpSpPr>
+          <p:cNvPr id="7" name="群組 6">
+            <a:extLst>
+              <a:ext uri="{FF2B5EF4-FFF2-40B4-BE49-F238E27FC236}">
+                <a16:creationId xmlns:a16="http://schemas.microsoft.com/office/drawing/2014/main" id="{D4AE82AD-0447-E146-8662-DBF148A755A6}"/>
+              </a:ext>
+            </a:extLst>
+          </p:cNvPr>
+          <p:cNvGrpSpPr/>
+          <p:nvPr/>
+        </p:nvGrpSpPr>
+        <p:grpSpPr>
+          <a:xfrm>
+            <a:off x="1686518" y="3214091"/>
+            <a:ext cx="6032332" cy="468000"/>
+            <a:chOff x="1982779" y="3496449"/>
+            <a:chExt cx="6032332" cy="468000"/>
+          </a:xfrm>
+        </p:grpSpPr>
+        <p:sp>
+          <p:nvSpPr>
+            <p:cNvPr id="15" name="文本框 11">
+              <a:extLst>
+                <a:ext uri="{FF2B5EF4-FFF2-40B4-BE49-F238E27FC236}">
+                  <a16:creationId xmlns:a16="http://schemas.microsoft.com/office/drawing/2014/main" id="{A2AEF345-A62B-4F1C-A564-28CBAEC790CE}"/>
+                </a:ext>
+              </a:extLst>
+            </p:cNvPr>
+            <p:cNvSpPr txBox="1"/>
+            <p:nvPr/>
+          </p:nvSpPr>
+          <p:spPr>
+            <a:xfrm>
+              <a:off x="2450779" y="3561172"/>
+              <a:ext cx="5564332" cy="338554"/>
+            </a:xfrm>
+            <a:prstGeom prst="rect">
+              <a:avLst/>
+            </a:prstGeom>
+            <a:noFill/>
+          </p:spPr>
+          <p:txBody>
+            <a:bodyPr wrap="square" rtlCol="0">
+              <a:spAutoFit/>
+              <a:scene3d>
+                <a:camera prst="orthographicFront"/>
+                <a:lightRig rig="threePt" dir="t"/>
+              </a:scene3d>
+              <a:sp3d contourW="12700"/>
+            </a:bodyPr>
+            <a:lstStyle/>
+            <a:p>
+              <a:pPr defTabSz="685800">
+                <a:buClrTx/>
+              </a:pPr>
+              <a:r>
+                <a:rPr lang="zh-TW" altLang="en-US" sz="1600" b="1" kern="1200" dirty="0">
+                  <a:solidFill>
+                    <a:prstClr val="black"/>
+                  </a:solidFill>
+                  <a:latin typeface="微軟正黑體" panose="020B0604030504040204" pitchFamily="34" charset="-120"/>
+                  <a:ea typeface="微軟正黑體" panose="020B0604030504040204" pitchFamily="34" charset="-120"/>
+                  <a:cs typeface="+mn-cs"/>
+                </a:rPr>
+                <a:t>組員：郭奕璋、王浤宇、劉佩萱、陳曉東、李姿慧、陳鐿壬</a:t>
+              </a:r>
+              <a:endParaRPr lang="zh-TW" altLang="en-US" sz="1600" kern="1200" dirty="0">
+                <a:solidFill>
+                  <a:prstClr val="black"/>
+                </a:solidFill>
+                <a:latin typeface="微軟正黑體" panose="020B0604030504040204" pitchFamily="34" charset="-120"/>
+                <a:ea typeface="微軟正黑體" panose="020B0604030504040204" pitchFamily="34" charset="-120"/>
+                <a:cs typeface="+mn-cs"/>
+              </a:endParaRPr>
+            </a:p>
+          </p:txBody>
+        </p:sp>
+        <p:pic>
+          <p:nvPicPr>
+            <p:cNvPr id="4" name="圖片 3">
+              <a:extLst>
+                <a:ext uri="{FF2B5EF4-FFF2-40B4-BE49-F238E27FC236}">
+                  <a16:creationId xmlns:a16="http://schemas.microsoft.com/office/drawing/2014/main" id="{4632E218-C79D-E648-919A-09CB3EB7C82C}"/>
+                </a:ext>
+              </a:extLst>
+            </p:cNvPr>
+            <p:cNvPicPr>
+              <a:picLocks noChangeAspect="1"/>
+            </p:cNvPicPr>
+            <p:nvPr/>
+          </p:nvPicPr>
+          <p:blipFill>
+            <a:blip r:embed="rId7"/>
+            <a:stretch>
+              <a:fillRect/>
+            </a:stretch>
+          </p:blipFill>
+          <p:spPr>
+            <a:xfrm>
+              <a:off x="1982779" y="3496449"/>
+              <a:ext cx="468000" cy="468000"/>
+            </a:xfrm>
+            <a:prstGeom prst="rect">
+              <a:avLst/>
+            </a:prstGeom>
+          </p:spPr>
+        </p:pic>
+      </p:grpSp>
+      <p:grpSp>
+        <p:nvGrpSpPr>
+          <p:cNvPr id="8" name="群組 7">
+            <a:extLst>
+              <a:ext uri="{FF2B5EF4-FFF2-40B4-BE49-F238E27FC236}">
+                <a16:creationId xmlns:a16="http://schemas.microsoft.com/office/drawing/2014/main" id="{1EFE3EC2-95C8-D542-BDE2-B4CE558F1697}"/>
+              </a:ext>
+            </a:extLst>
+          </p:cNvPr>
+          <p:cNvGrpSpPr/>
+          <p:nvPr/>
+        </p:nvGrpSpPr>
+        <p:grpSpPr>
+          <a:xfrm>
+            <a:off x="2894552" y="4070414"/>
+            <a:ext cx="3097414" cy="468000"/>
+            <a:chOff x="2603140" y="4103681"/>
+            <a:chExt cx="3097414" cy="468000"/>
+          </a:xfrm>
+        </p:grpSpPr>
+        <p:sp>
+          <p:nvSpPr>
+            <p:cNvPr id="19" name="文本框 13">
+              <a:extLst>
+                <a:ext uri="{FF2B5EF4-FFF2-40B4-BE49-F238E27FC236}">
+                  <a16:creationId xmlns:a16="http://schemas.microsoft.com/office/drawing/2014/main" id="{EA2D8D1B-2A81-B942-A9DD-59A63274D22A}"/>
+                </a:ext>
+              </a:extLst>
+            </p:cNvPr>
+            <p:cNvSpPr txBox="1"/>
+            <p:nvPr/>
+          </p:nvSpPr>
+          <p:spPr>
+            <a:xfrm>
+              <a:off x="3066215" y="4168404"/>
+              <a:ext cx="2634339" cy="338554"/>
+            </a:xfrm>
+            <a:prstGeom prst="rect">
+              <a:avLst/>
+            </a:prstGeom>
+            <a:noFill/>
+          </p:spPr>
+          <p:txBody>
+            <a:bodyPr wrap="square" rtlCol="0">
+              <a:spAutoFit/>
+              <a:scene3d>
+                <a:camera prst="orthographicFront"/>
+                <a:lightRig rig="threePt" dir="t"/>
+              </a:scene3d>
+              <a:sp3d contourW="12700"/>
+            </a:bodyPr>
+            <a:lstStyle/>
+            <a:p>
+              <a:pPr algn="ctr" defTabSz="685800">
+                <a:buClrTx/>
+                <a:defRPr/>
+              </a:pPr>
+              <a:r>
+                <a:rPr lang="zh-TW" altLang="en-US" sz="1600" b="1" kern="1200" dirty="0">
+                  <a:solidFill>
+                    <a:prstClr val="black"/>
+                  </a:solidFill>
+                  <a:latin typeface="微軟正黑體" panose="020B0604030504040204" pitchFamily="34" charset="-120"/>
+                  <a:ea typeface="微軟正黑體" panose="020B0604030504040204" pitchFamily="34" charset="-120"/>
+                  <a:cs typeface="+mn-cs"/>
+                </a:rPr>
+                <a:t>指導老師</a:t>
+              </a:r>
+              <a:r>
+                <a:rPr lang="zh-TW" altLang="en-US" sz="1600" b="1" kern="1200" dirty="0">
+                  <a:solidFill>
+                    <a:prstClr val="black"/>
+                  </a:solidFill>
+                  <a:latin typeface="微軟正黑體" panose="020B0604030504040204" pitchFamily="34" charset="-120"/>
+                  <a:ea typeface="微軟正黑體" panose="020B0604030504040204" pitchFamily="34" charset="-120"/>
+                </a:rPr>
+                <a:t>：周志昂、郭惠民</a:t>
+              </a:r>
+              <a:endParaRPr lang="zh-TW" altLang="en-US" sz="1600" kern="1200" dirty="0">
+                <a:solidFill>
+                  <a:prstClr val="black"/>
+                </a:solidFill>
+                <a:latin typeface="微軟正黑體" panose="020B0604030504040204" pitchFamily="34" charset="-120"/>
+                <a:ea typeface="微軟正黑體" panose="020B0604030504040204" pitchFamily="34" charset="-120"/>
+              </a:endParaRPr>
+            </a:p>
+          </p:txBody>
+        </p:sp>
+        <p:pic>
+          <p:nvPicPr>
+            <p:cNvPr id="6" name="圖片 5">
+              <a:extLst>
+                <a:ext uri="{FF2B5EF4-FFF2-40B4-BE49-F238E27FC236}">
+                  <a16:creationId xmlns:a16="http://schemas.microsoft.com/office/drawing/2014/main" id="{BE5AC046-4C41-4C45-ADC0-B2D56B35F192}"/>
+                </a:ext>
+              </a:extLst>
+            </p:cNvPr>
+            <p:cNvPicPr>
+              <a:picLocks noChangeAspect="1"/>
+            </p:cNvPicPr>
+            <p:nvPr/>
+          </p:nvPicPr>
+          <p:blipFill>
+            <a:blip r:embed="rId8"/>
+            <a:stretch>
+              <a:fillRect/>
+            </a:stretch>
+          </p:blipFill>
+          <p:spPr>
+            <a:xfrm flipH="1">
+              <a:off x="2603140" y="4103681"/>
+              <a:ext cx="468000" cy="468000"/>
+            </a:xfrm>
+            <a:prstGeom prst="rect">
+              <a:avLst/>
+            </a:prstGeom>
+          </p:spPr>
+        </p:pic>
+      </p:grpSp>
+      <p:sp>
+        <p:nvSpPr>
+          <p:cNvPr id="24" name="Google Shape;190;p34">
+            <a:extLst>
+              <a:ext uri="{FF2B5EF4-FFF2-40B4-BE49-F238E27FC236}">
+                <a16:creationId xmlns:a16="http://schemas.microsoft.com/office/drawing/2014/main" id="{8268B123-432D-1B4D-BDA5-05A08E4157A8}"/>
+              </a:ext>
+            </a:extLst>
+          </p:cNvPr>
+          <p:cNvSpPr txBox="1">
+            <a:spLocks/>
+          </p:cNvSpPr>
+          <p:nvPr/>
+        </p:nvSpPr>
+        <p:spPr>
+          <a:xfrm>
+            <a:off x="-573354" y="3726089"/>
+            <a:ext cx="2559488" cy="875420"/>
+          </a:xfrm>
+          <a:prstGeom prst="rect">
+            <a:avLst/>
+          </a:prstGeom>
+          <a:noFill/>
+          <a:ln>
+            <a:noFill/>
+          </a:ln>
+        </p:spPr>
+        <p:txBody>
+          <a:bodyPr spcFirstLastPara="1" wrap="square" lIns="91425" tIns="91425" rIns="91425" bIns="91425" anchor="b" anchorCtr="0">
+            <a:noAutofit/>
+          </a:bodyPr>
+          <a:lstStyle>
+            <a:defPPr marR="0" lvl="0" algn="l" rtl="0">
+              <a:lnSpc>
+                <a:spcPct val="100000"/>
+              </a:lnSpc>
+              <a:spcBef>
+                <a:spcPts val="0"/>
+              </a:spcBef>
+              <a:spcAft>
+                <a:spcPts val="0"/>
+              </a:spcAft>
+            </a:defPPr>
+            <a:lvl1pPr marR="0" lvl="0" algn="ctr" rtl="0">
+              <a:lnSpc>
+                <a:spcPct val="100000"/>
+              </a:lnSpc>
+              <a:spcBef>
+                <a:spcPts val="0"/>
+              </a:spcBef>
+              <a:spcAft>
+                <a:spcPts val="0"/>
+              </a:spcAft>
+              <a:buClr>
+                <a:schemeClr val="dk1"/>
+              </a:buClr>
+              <a:buSzPts val="5200"/>
+              <a:buFont typeface="Arial"/>
+              <a:buNone/>
+              <a:defRPr sz="7200" b="1" i="0" u="none" strike="noStrike" cap="none">
+                <a:solidFill>
+                  <a:schemeClr val="accent1"/>
+                </a:solidFill>
+                <a:latin typeface="Darker Grotesque"/>
+                <a:ea typeface="Darker Grotesque"/>
+                <a:cs typeface="Darker Grotesque"/>
+                <a:sym typeface="Darker Grotesque"/>
+              </a:defRPr>
+            </a:lvl1pPr>
+            <a:lvl2pPr marR="0" lvl="1" algn="ctr" rtl="0">
+              <a:lnSpc>
+                <a:spcPct val="100000"/>
+              </a:lnSpc>
+              <a:spcBef>
+                <a:spcPts val="0"/>
+              </a:spcBef>
+              <a:spcAft>
+                <a:spcPts val="0"/>
+              </a:spcAft>
+              <a:buClr>
+                <a:schemeClr val="dk1"/>
+              </a:buClr>
+              <a:buSzPts val="5200"/>
+              <a:buFont typeface="Arial"/>
+              <a:buNone/>
+              <a:defRPr sz="5200" b="0" i="0" u="none" strike="noStrike" cap="none">
+                <a:solidFill>
+                  <a:schemeClr val="dk1"/>
+                </a:solidFill>
+                <a:latin typeface="Arial"/>
+                <a:ea typeface="Arial"/>
+                <a:cs typeface="Arial"/>
+                <a:sym typeface="Arial"/>
+              </a:defRPr>
+            </a:lvl2pPr>
+            <a:lvl3pPr marR="0" lvl="2" algn="ctr" rtl="0">
+              <a:lnSpc>
+                <a:spcPct val="100000"/>
+              </a:lnSpc>
+              <a:spcBef>
+                <a:spcPts val="0"/>
+              </a:spcBef>
+              <a:spcAft>
+                <a:spcPts val="0"/>
+              </a:spcAft>
+              <a:buClr>
+                <a:schemeClr val="dk1"/>
+              </a:buClr>
+              <a:buSzPts val="5200"/>
+              <a:buFont typeface="Arial"/>
+              <a:buNone/>
+              <a:defRPr sz="5200" b="0" i="0" u="none" strike="noStrike" cap="none">
+                <a:solidFill>
+                  <a:schemeClr val="dk1"/>
+                </a:solidFill>
+                <a:latin typeface="Arial"/>
+                <a:ea typeface="Arial"/>
+                <a:cs typeface="Arial"/>
+                <a:sym typeface="Arial"/>
+              </a:defRPr>
+            </a:lvl3pPr>
+            <a:lvl4pPr marR="0" lvl="3" algn="ctr" rtl="0">
+              <a:lnSpc>
+                <a:spcPct val="100000"/>
+              </a:lnSpc>
+              <a:spcBef>
+                <a:spcPts val="0"/>
+              </a:spcBef>
+              <a:spcAft>
+                <a:spcPts val="0"/>
+              </a:spcAft>
+              <a:buClr>
+                <a:schemeClr val="dk1"/>
+              </a:buClr>
+              <a:buSzPts val="5200"/>
+              <a:buFont typeface="Arial"/>
+              <a:buNone/>
+              <a:defRPr sz="5200" b="0" i="0" u="none" strike="noStrike" cap="none">
+                <a:solidFill>
+                  <a:schemeClr val="dk1"/>
+                </a:solidFill>
+                <a:latin typeface="Arial"/>
+                <a:ea typeface="Arial"/>
+                <a:cs typeface="Arial"/>
+                <a:sym typeface="Arial"/>
+              </a:defRPr>
+            </a:lvl4pPr>
+            <a:lvl5pPr marR="0" lvl="4" algn="ctr" rtl="0">
+              <a:lnSpc>
+                <a:spcPct val="100000"/>
+              </a:lnSpc>
+              <a:spcBef>
+                <a:spcPts val="0"/>
+              </a:spcBef>
+              <a:spcAft>
+                <a:spcPts val="0"/>
+              </a:spcAft>
+              <a:buClr>
+                <a:schemeClr val="dk1"/>
+              </a:buClr>
+              <a:buSzPts val="5200"/>
+              <a:buFont typeface="Arial"/>
+              <a:buNone/>
+              <a:defRPr sz="5200" b="0" i="0" u="none" strike="noStrike" cap="none">
+                <a:solidFill>
+                  <a:schemeClr val="dk1"/>
+                </a:solidFill>
+                <a:latin typeface="Arial"/>
+                <a:ea typeface="Arial"/>
+                <a:cs typeface="Arial"/>
+                <a:sym typeface="Arial"/>
+              </a:defRPr>
+            </a:lvl5pPr>
+            <a:lvl6pPr marR="0" lvl="5" algn="ctr" rtl="0">
+              <a:lnSpc>
+                <a:spcPct val="100000"/>
+              </a:lnSpc>
+              <a:spcBef>
+                <a:spcPts val="0"/>
+              </a:spcBef>
+              <a:spcAft>
+                <a:spcPts val="0"/>
+              </a:spcAft>
+              <a:buClr>
+                <a:schemeClr val="dk1"/>
+              </a:buClr>
+              <a:buSzPts val="5200"/>
+              <a:buFont typeface="Arial"/>
+              <a:buNone/>
+              <a:defRPr sz="5200" b="0" i="0" u="none" strike="noStrike" cap="none">
+                <a:solidFill>
+                  <a:schemeClr val="dk1"/>
+                </a:solidFill>
+                <a:latin typeface="Arial"/>
+                <a:ea typeface="Arial"/>
+                <a:cs typeface="Arial"/>
+                <a:sym typeface="Arial"/>
+              </a:defRPr>
+            </a:lvl6pPr>
+            <a:lvl7pPr marR="0" lvl="6" algn="ctr" rtl="0">
+              <a:lnSpc>
+                <a:spcPct val="100000"/>
+              </a:lnSpc>
+              <a:spcBef>
+                <a:spcPts val="0"/>
+              </a:spcBef>
+              <a:spcAft>
+                <a:spcPts val="0"/>
+              </a:spcAft>
+              <a:buClr>
+                <a:schemeClr val="dk1"/>
+              </a:buClr>
+              <a:buSzPts val="5200"/>
+              <a:buFont typeface="Arial"/>
+              <a:buNone/>
+              <a:defRPr sz="5200" b="0" i="0" u="none" strike="noStrike" cap="none">
+                <a:solidFill>
+                  <a:schemeClr val="dk1"/>
+                </a:solidFill>
+                <a:latin typeface="Arial"/>
+                <a:ea typeface="Arial"/>
+                <a:cs typeface="Arial"/>
+                <a:sym typeface="Arial"/>
+              </a:defRPr>
+            </a:lvl7pPr>
+            <a:lvl8pPr marR="0" lvl="7" algn="ctr" rtl="0">
+              <a:lnSpc>
+                <a:spcPct val="100000"/>
+              </a:lnSpc>
+              <a:spcBef>
+                <a:spcPts val="0"/>
+              </a:spcBef>
+              <a:spcAft>
+                <a:spcPts val="0"/>
+              </a:spcAft>
+              <a:buClr>
+                <a:schemeClr val="dk1"/>
+              </a:buClr>
+              <a:buSzPts val="5200"/>
+              <a:buFont typeface="Arial"/>
+              <a:buNone/>
+              <a:defRPr sz="5200" b="0" i="0" u="none" strike="noStrike" cap="none">
+                <a:solidFill>
+                  <a:schemeClr val="dk1"/>
+                </a:solidFill>
+                <a:latin typeface="Arial"/>
+                <a:ea typeface="Arial"/>
+                <a:cs typeface="Arial"/>
+                <a:sym typeface="Arial"/>
+              </a:defRPr>
+            </a:lvl8pPr>
+            <a:lvl9pPr marR="0" lvl="8" algn="ctr" rtl="0">
+              <a:lnSpc>
+                <a:spcPct val="100000"/>
+              </a:lnSpc>
+              <a:spcBef>
+                <a:spcPts val="0"/>
+              </a:spcBef>
+              <a:spcAft>
+                <a:spcPts val="0"/>
+              </a:spcAft>
+              <a:buClr>
+                <a:schemeClr val="dk1"/>
+              </a:buClr>
+              <a:buSzPts val="5200"/>
+              <a:buFont typeface="Arial"/>
+              <a:buNone/>
+              <a:defRPr sz="5200" b="0" i="0" u="none" strike="noStrike" cap="none">
+                <a:solidFill>
+                  <a:schemeClr val="dk1"/>
+                </a:solidFill>
+                <a:latin typeface="Arial"/>
+                <a:ea typeface="Arial"/>
+                <a:cs typeface="Arial"/>
+                <a:sym typeface="Arial"/>
+              </a:defRPr>
+            </a:lvl9pPr>
+          </a:lstStyle>
+          <a:p>
+            <a:r>
+              <a:rPr lang="en" sz="3600" dirty="0">
+                <a:solidFill>
+                  <a:schemeClr val="bg1"/>
+                </a:solidFill>
+              </a:rPr>
+              <a:t>Team 3</a:t>
+            </a:r>
+          </a:p>
+        </p:txBody>
+      </p:sp>
     </p:spTree>
   </p:cSld>
   <p:clrMapOvr>
@@ -21130,8 +21389,8 @@
           </a:p>
         </p:txBody>
       </p:sp>
-      <mc:AlternateContent xmlns:mc="http://schemas.openxmlformats.org/markup-compatibility/2006">
-        <mc:Choice xmlns:a14="http://schemas.microsoft.com/office/drawing/2010/main" Requires="a14">
+      <mc:AlternateContent xmlns:mc="http://schemas.openxmlformats.org/markup-compatibility/2006" xmlns:a14="http://schemas.microsoft.com/office/drawing/2010/main">
+        <mc:Choice Requires="a14">
           <p:sp>
             <p:nvSpPr>
               <p:cNvPr id="3" name="文字方塊 2">
@@ -21160,6 +21419,7 @@
               </a:bodyPr>
               <a:lstStyle/>
               <a:p>
+                <a:pPr/>
                 <a14:m>
                   <m:oMathPara xmlns:m="http://schemas.openxmlformats.org/officeDocument/2006/math">
                     <m:oMathParaPr>
@@ -21187,7 +21447,7 @@
             </p:txBody>
           </p:sp>
         </mc:Choice>
-        <mc:Fallback>
+        <mc:Fallback xmlns="">
           <p:sp>
             <p:nvSpPr>
               <p:cNvPr id="3" name="文字方塊 2">
